--- a/Fase 1/Evidencias Grupales/BARRERA_MARCO_Presentación_Proyecto.pptx
+++ b/Fase 1/Evidencias Grupales/BARRERA_MARCO_Presentación_Proyecto.pptx
@@ -128,7 +128,7 @@
 <file path=ppt/revisionInfo.xml><?xml version="1.0" encoding="utf-8"?>
 <p1510:revInfo xmlns:a="http://schemas.openxmlformats.org/drawingml/2006/main" xmlns:r="http://schemas.openxmlformats.org/officeDocument/2006/relationships" xmlns:p1510="http://schemas.microsoft.com/office/powerpoint/2015/10/main">
   <p1510:revLst>
-    <p1510:client id="{94B18C34-85F1-9B4D-8156-B35C71B85FF0}" v="1158" dt="2025-09-08T02:46:34.891"/>
+    <p1510:client id="{94B18C34-85F1-9B4D-8156-B35C71B85FF0}" v="1170" dt="2025-09-21T17:20:26.669"/>
   </p1510:revLst>
 </p1510:revInfo>
 </file>
@@ -138,7 +138,7 @@
   <pc:docChgLst>
     <pc:chgData name="MARCO JEHTRO BARRERA TILLERIA" userId="3a814d93-6b2f-4c70-ab99-d343165ba388" providerId="ADAL" clId="{EFAD3D2D-4798-55E5-AD21-C2D7DECB7804}"/>
     <pc:docChg chg="undo custSel addSld modSld">
-      <pc:chgData name="MARCO JEHTRO BARRERA TILLERIA" userId="3a814d93-6b2f-4c70-ab99-d343165ba388" providerId="ADAL" clId="{EFAD3D2D-4798-55E5-AD21-C2D7DECB7804}" dt="2025-09-08T02:48:32.668" v="1978" actId="20577"/>
+      <pc:chgData name="MARCO JEHTRO BARRERA TILLERIA" userId="3a814d93-6b2f-4c70-ab99-d343165ba388" providerId="ADAL" clId="{EFAD3D2D-4798-55E5-AD21-C2D7DECB7804}" dt="2025-09-21T17:20:26.668" v="1990" actId="20577"/>
       <pc:docMkLst>
         <pc:docMk/>
       </pc:docMkLst>
@@ -164,70 +164,6 @@
             <ac:spMk id="3" creationId="{054A84FE-BB71-8E9B-2337-C7242F72CB9B}"/>
           </ac:spMkLst>
         </pc:spChg>
-        <pc:spChg chg="add del">
-          <ac:chgData name="MARCO JEHTRO BARRERA TILLERIA" userId="3a814d93-6b2f-4c70-ab99-d343165ba388" providerId="ADAL" clId="{EFAD3D2D-4798-55E5-AD21-C2D7DECB7804}" dt="2025-09-08T02:40:11.076" v="1949" actId="26606"/>
-          <ac:spMkLst>
-            <pc:docMk/>
-            <pc:sldMk cId="1547410592" sldId="256"/>
-            <ac:spMk id="9" creationId="{C1DD1A8A-57D5-4A81-AD04-532B043C5611}"/>
-          </ac:spMkLst>
-        </pc:spChg>
-        <pc:spChg chg="add del">
-          <ac:chgData name="MARCO JEHTRO BARRERA TILLERIA" userId="3a814d93-6b2f-4c70-ab99-d343165ba388" providerId="ADAL" clId="{EFAD3D2D-4798-55E5-AD21-C2D7DECB7804}" dt="2025-09-08T02:40:11.076" v="1949" actId="26606"/>
-          <ac:spMkLst>
-            <pc:docMk/>
-            <pc:sldMk cId="1547410592" sldId="256"/>
-            <ac:spMk id="11" creationId="{007891EC-4501-44ED-A8C8-B11B6DB767AB}"/>
-          </ac:spMkLst>
-        </pc:spChg>
-        <pc:spChg chg="add del">
-          <ac:chgData name="MARCO JEHTRO BARRERA TILLERIA" userId="3a814d93-6b2f-4c70-ab99-d343165ba388" providerId="ADAL" clId="{EFAD3D2D-4798-55E5-AD21-C2D7DECB7804}" dt="2025-09-08T02:40:10.460" v="1948" actId="26606"/>
-          <ac:spMkLst>
-            <pc:docMk/>
-            <pc:sldMk cId="1547410592" sldId="256"/>
-            <ac:spMk id="16" creationId="{94714483-7072-431F-9DBE-87F44E4D44BC}"/>
-          </ac:spMkLst>
-        </pc:spChg>
-        <pc:spChg chg="add del">
-          <ac:chgData name="MARCO JEHTRO BARRERA TILLERIA" userId="3a814d93-6b2f-4c70-ab99-d343165ba388" providerId="ADAL" clId="{EFAD3D2D-4798-55E5-AD21-C2D7DECB7804}" dt="2025-09-08T02:40:10.460" v="1948" actId="26606"/>
-          <ac:spMkLst>
-            <pc:docMk/>
-            <pc:sldMk cId="1547410592" sldId="256"/>
-            <ac:spMk id="18" creationId="{495892E1-F4A5-4991-AC52-4F417B14A2A2}"/>
-          </ac:spMkLst>
-        </pc:spChg>
-        <pc:spChg chg="add del">
-          <ac:chgData name="MARCO JEHTRO BARRERA TILLERIA" userId="3a814d93-6b2f-4c70-ab99-d343165ba388" providerId="ADAL" clId="{EFAD3D2D-4798-55E5-AD21-C2D7DECB7804}" dt="2025-09-08T02:40:10.460" v="1948" actId="26606"/>
-          <ac:spMkLst>
-            <pc:docMk/>
-            <pc:sldMk cId="1547410592" sldId="256"/>
-            <ac:spMk id="28" creationId="{E2683E3F-F855-4549-84F8-42064EC0F247}"/>
-          </ac:spMkLst>
-        </pc:spChg>
-        <pc:spChg chg="add del">
-          <ac:chgData name="MARCO JEHTRO BARRERA TILLERIA" userId="3a814d93-6b2f-4c70-ab99-d343165ba388" providerId="ADAL" clId="{EFAD3D2D-4798-55E5-AD21-C2D7DECB7804}" dt="2025-09-08T02:40:10.460" v="1948" actId="26606"/>
-          <ac:spMkLst>
-            <pc:docMk/>
-            <pc:sldMk cId="1547410592" sldId="256"/>
-            <ac:spMk id="36" creationId="{832F3179-0CD5-40C8-9939-D8355006F7BA}"/>
-          </ac:spMkLst>
-        </pc:spChg>
-        <pc:grpChg chg="add del">
-          <ac:chgData name="MARCO JEHTRO BARRERA TILLERIA" userId="3a814d93-6b2f-4c70-ab99-d343165ba388" providerId="ADAL" clId="{EFAD3D2D-4798-55E5-AD21-C2D7DECB7804}" dt="2025-09-08T02:40:10.460" v="1948" actId="26606"/>
-          <ac:grpSpMkLst>
-            <pc:docMk/>
-            <pc:sldMk cId="1547410592" sldId="256"/>
-            <ac:grpSpMk id="38" creationId="{11CE155D-684B-4F5E-B835-C52765E310E7}"/>
-          </ac:grpSpMkLst>
-        </pc:grpChg>
-        <pc:picChg chg="add del mod">
-          <ac:chgData name="MARCO JEHTRO BARRERA TILLERIA" userId="3a814d93-6b2f-4c70-ab99-d343165ba388" providerId="ADAL" clId="{EFAD3D2D-4798-55E5-AD21-C2D7DECB7804}" dt="2025-09-08T02:40:11.076" v="1949" actId="26606"/>
-          <ac:picMkLst>
-            <pc:docMk/>
-            <pc:sldMk cId="1547410592" sldId="256"/>
-            <ac:picMk id="5" creationId="{7C7C0FE9-B4F8-9D31-0807-FDDE40F16A28}"/>
-          </ac:picMkLst>
-        </pc:picChg>
       </pc:sldChg>
       <pc:sldChg chg="addSp delSp modSp mod modTransition">
         <pc:chgData name="MARCO JEHTRO BARRERA TILLERIA" userId="3a814d93-6b2f-4c70-ab99-d343165ba388" providerId="ADAL" clId="{EFAD3D2D-4798-55E5-AD21-C2D7DECB7804}" dt="2025-09-08T02:42:05.776" v="1952"/>
@@ -241,14 +177,6 @@
             <pc:docMk/>
             <pc:sldMk cId="419789504" sldId="257"/>
             <ac:spMk id="2" creationId="{F27B1A6F-DEFD-1D71-9A8B-096D1DA331DB}"/>
-          </ac:spMkLst>
-        </pc:spChg>
-        <pc:spChg chg="del">
-          <ac:chgData name="MARCO JEHTRO BARRERA TILLERIA" userId="3a814d93-6b2f-4c70-ab99-d343165ba388" providerId="ADAL" clId="{EFAD3D2D-4798-55E5-AD21-C2D7DECB7804}" dt="2025-09-08T01:50:01.780" v="396" actId="12084"/>
-          <ac:spMkLst>
-            <pc:docMk/>
-            <pc:sldMk cId="419789504" sldId="257"/>
-            <ac:spMk id="3" creationId="{5CB7AD2E-8130-1B8F-B77A-768B7B4F0D8E}"/>
           </ac:spMkLst>
         </pc:spChg>
         <pc:spChg chg="add mod">
@@ -290,14 +218,6 @@
             <ac:spMk id="2" creationId="{CDC7ED7E-6C69-819B-80FE-87C3BF738229}"/>
           </ac:spMkLst>
         </pc:spChg>
-        <pc:spChg chg="del">
-          <ac:chgData name="MARCO JEHTRO BARRERA TILLERIA" userId="3a814d93-6b2f-4c70-ab99-d343165ba388" providerId="ADAL" clId="{EFAD3D2D-4798-55E5-AD21-C2D7DECB7804}" dt="2025-09-08T01:36:16.505" v="0" actId="3680"/>
-          <ac:spMkLst>
-            <pc:docMk/>
-            <pc:sldMk cId="2494704668" sldId="258"/>
-            <ac:spMk id="3" creationId="{90E4D047-1A0E-A561-54E8-52008742F130}"/>
-          </ac:spMkLst>
-        </pc:spChg>
         <pc:spChg chg="add mod">
           <ac:chgData name="MARCO JEHTRO BARRERA TILLERIA" userId="3a814d93-6b2f-4c70-ab99-d343165ba388" providerId="ADAL" clId="{EFAD3D2D-4798-55E5-AD21-C2D7DECB7804}" dt="2025-09-08T02:41:25.150" v="1950"/>
           <ac:spMkLst>
@@ -337,22 +257,6 @@
             <ac:spMk id="2" creationId="{7B3582C0-3098-2B47-61E5-9FE8D06DA46E}"/>
           </ac:spMkLst>
         </pc:spChg>
-        <pc:spChg chg="add del mod">
-          <ac:chgData name="MARCO JEHTRO BARRERA TILLERIA" userId="3a814d93-6b2f-4c70-ab99-d343165ba388" providerId="ADAL" clId="{EFAD3D2D-4798-55E5-AD21-C2D7DECB7804}" dt="2025-09-08T01:51:57.482" v="410" actId="12084"/>
-          <ac:spMkLst>
-            <pc:docMk/>
-            <pc:sldMk cId="3039588823" sldId="259"/>
-            <ac:spMk id="5" creationId="{05080E00-F6F3-D755-67CD-A5E1CFF3E42B}"/>
-          </ac:spMkLst>
-        </pc:spChg>
-        <pc:spChg chg="add del mod">
-          <ac:chgData name="MARCO JEHTRO BARRERA TILLERIA" userId="3a814d93-6b2f-4c70-ab99-d343165ba388" providerId="ADAL" clId="{EFAD3D2D-4798-55E5-AD21-C2D7DECB7804}" dt="2025-09-08T02:14:19.734" v="1000"/>
-          <ac:spMkLst>
-            <pc:docMk/>
-            <pc:sldMk cId="3039588823" sldId="259"/>
-            <ac:spMk id="10" creationId="{5A66C4B5-2E79-C40E-71DD-368C50CF3C00}"/>
-          </ac:spMkLst>
-        </pc:spChg>
         <pc:spChg chg="add mod">
           <ac:chgData name="MARCO JEHTRO BARRERA TILLERIA" userId="3a814d93-6b2f-4c70-ab99-d343165ba388" providerId="ADAL" clId="{EFAD3D2D-4798-55E5-AD21-C2D7DECB7804}" dt="2025-09-08T02:41:25.150" v="1950"/>
           <ac:spMkLst>
@@ -369,30 +273,6 @@
             <ac:spMk id="13" creationId="{5C81BD7B-DF1B-F2EF-F8DD-160778DCC53D}"/>
           </ac:spMkLst>
         </pc:spChg>
-        <pc:graphicFrameChg chg="del">
-          <ac:chgData name="MARCO JEHTRO BARRERA TILLERIA" userId="3a814d93-6b2f-4c70-ab99-d343165ba388" providerId="ADAL" clId="{EFAD3D2D-4798-55E5-AD21-C2D7DECB7804}" dt="2025-09-08T01:38:51.688" v="230" actId="478"/>
-          <ac:graphicFrameMkLst>
-            <pc:docMk/>
-            <pc:sldMk cId="3039588823" sldId="259"/>
-            <ac:graphicFrameMk id="4" creationId="{0D5F4949-69AD-077A-FF98-67CB4816F741}"/>
-          </ac:graphicFrameMkLst>
-        </pc:graphicFrameChg>
-        <pc:graphicFrameChg chg="add mod">
-          <ac:chgData name="MARCO JEHTRO BARRERA TILLERIA" userId="3a814d93-6b2f-4c70-ab99-d343165ba388" providerId="ADAL" clId="{EFAD3D2D-4798-55E5-AD21-C2D7DECB7804}" dt="2025-09-08T01:48:43.854" v="385" actId="12084"/>
-          <ac:graphicFrameMkLst>
-            <pc:docMk/>
-            <pc:sldMk cId="3039588823" sldId="259"/>
-            <ac:graphicFrameMk id="6" creationId="{287F8BAC-2715-43DF-C570-87294699EB79}"/>
-          </ac:graphicFrameMkLst>
-        </pc:graphicFrameChg>
-        <pc:graphicFrameChg chg="add mod">
-          <ac:chgData name="MARCO JEHTRO BARRERA TILLERIA" userId="3a814d93-6b2f-4c70-ab99-d343165ba388" providerId="ADAL" clId="{EFAD3D2D-4798-55E5-AD21-C2D7DECB7804}" dt="2025-09-08T01:51:51.186" v="408" actId="12084"/>
-          <ac:graphicFrameMkLst>
-            <pc:docMk/>
-            <pc:sldMk cId="3039588823" sldId="259"/>
-            <ac:graphicFrameMk id="7" creationId="{0E2293FB-10FB-4AC3-4D19-02E1B33A16B3}"/>
-          </ac:graphicFrameMkLst>
-        </pc:graphicFrameChg>
         <pc:graphicFrameChg chg="add mod">
           <ac:chgData name="MARCO JEHTRO BARRERA TILLERIA" userId="3a814d93-6b2f-4c70-ab99-d343165ba388" providerId="ADAL" clId="{EFAD3D2D-4798-55E5-AD21-C2D7DECB7804}" dt="2025-09-08T02:41:43.871" v="1951" actId="1076"/>
           <ac:graphicFrameMkLst>
@@ -422,86 +302,6 @@
             <pc:docMk/>
             <pc:sldMk cId="1330743245" sldId="260"/>
             <ac:spMk id="2" creationId="{59A87C1B-80D5-EB0B-23C5-9A8ECC84C147}"/>
-          </ac:spMkLst>
-        </pc:spChg>
-        <pc:spChg chg="add del mod">
-          <ac:chgData name="MARCO JEHTRO BARRERA TILLERIA" userId="3a814d93-6b2f-4c70-ab99-d343165ba388" providerId="ADAL" clId="{EFAD3D2D-4798-55E5-AD21-C2D7DECB7804}" dt="2025-09-08T01:41:26.725" v="287" actId="21"/>
-          <ac:spMkLst>
-            <pc:docMk/>
-            <pc:sldMk cId="1330743245" sldId="260"/>
-            <ac:spMk id="4" creationId="{42091627-3EE3-4353-4C6E-C6C563D15F8E}"/>
-          </ac:spMkLst>
-        </pc:spChg>
-        <pc:spChg chg="del">
-          <ac:chgData name="MARCO JEHTRO BARRERA TILLERIA" userId="3a814d93-6b2f-4c70-ab99-d343165ba388" providerId="ADAL" clId="{EFAD3D2D-4798-55E5-AD21-C2D7DECB7804}" dt="2025-09-08T01:39:42.184" v="258" actId="478"/>
-          <ac:spMkLst>
-            <pc:docMk/>
-            <pc:sldMk cId="1330743245" sldId="260"/>
-            <ac:spMk id="5" creationId="{79F6C904-A14F-CD84-8E13-AB3890461E9D}"/>
-          </ac:spMkLst>
-        </pc:spChg>
-        <pc:spChg chg="add del mod">
-          <ac:chgData name="MARCO JEHTRO BARRERA TILLERIA" userId="3a814d93-6b2f-4c70-ab99-d343165ba388" providerId="ADAL" clId="{EFAD3D2D-4798-55E5-AD21-C2D7DECB7804}" dt="2025-09-08T01:42:41.715" v="306"/>
-          <ac:spMkLst>
-            <pc:docMk/>
-            <pc:sldMk cId="1330743245" sldId="260"/>
-            <ac:spMk id="6" creationId="{27358F64-6D6F-F29B-6466-731916828516}"/>
-          </ac:spMkLst>
-        </pc:spChg>
-        <pc:spChg chg="add del mod">
-          <ac:chgData name="MARCO JEHTRO BARRERA TILLERIA" userId="3a814d93-6b2f-4c70-ab99-d343165ba388" providerId="ADAL" clId="{EFAD3D2D-4798-55E5-AD21-C2D7DECB7804}" dt="2025-09-08T01:41:43.360" v="291" actId="478"/>
-          <ac:spMkLst>
-            <pc:docMk/>
-            <pc:sldMk cId="1330743245" sldId="260"/>
-            <ac:spMk id="8" creationId="{8006D9B2-D56A-78C1-DB89-9574EB30C3D9}"/>
-          </ac:spMkLst>
-        </pc:spChg>
-        <pc:spChg chg="add del mod">
-          <ac:chgData name="MARCO JEHTRO BARRERA TILLERIA" userId="3a814d93-6b2f-4c70-ab99-d343165ba388" providerId="ADAL" clId="{EFAD3D2D-4798-55E5-AD21-C2D7DECB7804}" dt="2025-09-08T01:42:08.421" v="299" actId="478"/>
-          <ac:spMkLst>
-            <pc:docMk/>
-            <pc:sldMk cId="1330743245" sldId="260"/>
-            <ac:spMk id="9" creationId="{E2827840-00F1-302D-CDC8-3C38D9B74E48}"/>
-          </ac:spMkLst>
-        </pc:spChg>
-        <pc:spChg chg="add del mod">
-          <ac:chgData name="MARCO JEHTRO BARRERA TILLERIA" userId="3a814d93-6b2f-4c70-ab99-d343165ba388" providerId="ADAL" clId="{EFAD3D2D-4798-55E5-AD21-C2D7DECB7804}" dt="2025-09-08T01:42:11.898" v="300" actId="478"/>
-          <ac:spMkLst>
-            <pc:docMk/>
-            <pc:sldMk cId="1330743245" sldId="260"/>
-            <ac:spMk id="11" creationId="{13848DE8-85DC-7606-931D-426D1908B49E}"/>
-          </ac:spMkLst>
-        </pc:spChg>
-        <pc:spChg chg="add del">
-          <ac:chgData name="MARCO JEHTRO BARRERA TILLERIA" userId="3a814d93-6b2f-4c70-ab99-d343165ba388" providerId="ADAL" clId="{EFAD3D2D-4798-55E5-AD21-C2D7DECB7804}" dt="2025-09-08T01:43:09.300" v="308" actId="478"/>
-          <ac:spMkLst>
-            <pc:docMk/>
-            <pc:sldMk cId="1330743245" sldId="260"/>
-            <ac:spMk id="13" creationId="{5682450C-E102-FD2E-A466-752B81089BC3}"/>
-          </ac:spMkLst>
-        </pc:spChg>
-        <pc:spChg chg="add del">
-          <ac:chgData name="MARCO JEHTRO BARRERA TILLERIA" userId="3a814d93-6b2f-4c70-ab99-d343165ba388" providerId="ADAL" clId="{EFAD3D2D-4798-55E5-AD21-C2D7DECB7804}" dt="2025-09-08T01:43:12.105" v="310" actId="478"/>
-          <ac:spMkLst>
-            <pc:docMk/>
-            <pc:sldMk cId="1330743245" sldId="260"/>
-            <ac:spMk id="15" creationId="{B9E8917F-F268-D7BA-D0C3-AECB12C02853}"/>
-          </ac:spMkLst>
-        </pc:spChg>
-        <pc:spChg chg="add del mod">
-          <ac:chgData name="MARCO JEHTRO BARRERA TILLERIA" userId="3a814d93-6b2f-4c70-ab99-d343165ba388" providerId="ADAL" clId="{EFAD3D2D-4798-55E5-AD21-C2D7DECB7804}" dt="2025-09-08T01:46:40.590" v="348" actId="12084"/>
-          <ac:spMkLst>
-            <pc:docMk/>
-            <pc:sldMk cId="1330743245" sldId="260"/>
-            <ac:spMk id="20" creationId="{8C340A1C-D24E-1E5B-90C5-939F372CE659}"/>
-          </ac:spMkLst>
-        </pc:spChg>
-        <pc:spChg chg="add del mod">
-          <ac:chgData name="MARCO JEHTRO BARRERA TILLERIA" userId="3a814d93-6b2f-4c70-ab99-d343165ba388" providerId="ADAL" clId="{EFAD3D2D-4798-55E5-AD21-C2D7DECB7804}" dt="2025-09-08T01:46:55.226" v="349" actId="12084"/>
-          <ac:spMkLst>
-            <pc:docMk/>
-            <pc:sldMk cId="1330743245" sldId="260"/>
-            <ac:spMk id="21" creationId="{92870F3C-7C7B-E8D9-14BE-B02618C784D8}"/>
           </ac:spMkLst>
         </pc:spChg>
         <pc:spChg chg="add mod">
@@ -536,22 +336,6 @@
             <ac:graphicFrameMk id="23" creationId="{A58869CA-C477-7442-43BE-152310211AC4}"/>
           </ac:graphicFrameMkLst>
         </pc:graphicFrameChg>
-        <pc:picChg chg="add del mod">
-          <ac:chgData name="MARCO JEHTRO BARRERA TILLERIA" userId="3a814d93-6b2f-4c70-ab99-d343165ba388" providerId="ADAL" clId="{EFAD3D2D-4798-55E5-AD21-C2D7DECB7804}" dt="2025-09-08T01:44:08.674" v="320" actId="478"/>
-          <ac:picMkLst>
-            <pc:docMk/>
-            <pc:sldMk cId="1330743245" sldId="260"/>
-            <ac:picMk id="17" creationId="{2DADD661-6B13-804C-393B-F9F84BF18BAD}"/>
-          </ac:picMkLst>
-        </pc:picChg>
-        <pc:picChg chg="add del mod">
-          <ac:chgData name="MARCO JEHTRO BARRERA TILLERIA" userId="3a814d93-6b2f-4c70-ab99-d343165ba388" providerId="ADAL" clId="{EFAD3D2D-4798-55E5-AD21-C2D7DECB7804}" dt="2025-09-08T01:44:10.048" v="321" actId="478"/>
-          <ac:picMkLst>
-            <pc:docMk/>
-            <pc:sldMk cId="1330743245" sldId="260"/>
-            <ac:picMk id="19" creationId="{773F95E5-9596-D48C-A006-AEBA6531CEBD}"/>
-          </ac:picMkLst>
-        </pc:picChg>
       </pc:sldChg>
       <pc:sldChg chg="addSp delSp modSp add mod modTransition modNotesTx">
         <pc:chgData name="MARCO JEHTRO BARRERA TILLERIA" userId="3a814d93-6b2f-4c70-ab99-d343165ba388" providerId="ADAL" clId="{EFAD3D2D-4798-55E5-AD21-C2D7DECB7804}" dt="2025-09-08T02:42:23.864" v="1956"/>
@@ -568,27 +352,11 @@
           </ac:spMkLst>
         </pc:spChg>
         <pc:spChg chg="add del mod">
-          <ac:chgData name="MARCO JEHTRO BARRERA TILLERIA" userId="3a814d93-6b2f-4c70-ab99-d343165ba388" providerId="ADAL" clId="{EFAD3D2D-4798-55E5-AD21-C2D7DECB7804}" dt="2025-09-08T01:58:23.431" v="526" actId="12084"/>
-          <ac:spMkLst>
-            <pc:docMk/>
-            <pc:sldMk cId="1005967466" sldId="261"/>
-            <ac:spMk id="4" creationId="{15BCB347-BAB8-0B68-8F00-BA0E0156BF09}"/>
-          </ac:spMkLst>
-        </pc:spChg>
-        <pc:spChg chg="add del mod">
           <ac:chgData name="MARCO JEHTRO BARRERA TILLERIA" userId="3a814d93-6b2f-4c70-ab99-d343165ba388" providerId="ADAL" clId="{EFAD3D2D-4798-55E5-AD21-C2D7DECB7804}" dt="2025-09-08T02:11:13.376" v="977" actId="1076"/>
           <ac:spMkLst>
             <pc:docMk/>
             <pc:sldMk cId="1005967466" sldId="261"/>
             <ac:spMk id="6" creationId="{BAC22A29-FE4D-D056-9E0A-EDABA54D2289}"/>
-          </ac:spMkLst>
-        </pc:spChg>
-        <pc:spChg chg="del">
-          <ac:chgData name="MARCO JEHTRO BARRERA TILLERIA" userId="3a814d93-6b2f-4c70-ab99-d343165ba388" providerId="ADAL" clId="{EFAD3D2D-4798-55E5-AD21-C2D7DECB7804}" dt="2025-09-08T01:41:32.425" v="289" actId="478"/>
-          <ac:spMkLst>
-            <pc:docMk/>
-            <pc:sldMk cId="1005967466" sldId="261"/>
-            <ac:spMk id="8" creationId="{50783B68-5F71-2B42-8389-08B4C7F58B27}"/>
           </ac:spMkLst>
         </pc:spChg>
         <pc:spChg chg="add mod">
@@ -607,30 +375,6 @@
             <ac:spMk id="12" creationId="{7ACEA74B-9C56-33B2-93FA-C7E593CDD11E}"/>
           </ac:spMkLst>
         </pc:spChg>
-        <pc:graphicFrameChg chg="add mod">
-          <ac:chgData name="MARCO JEHTRO BARRERA TILLERIA" userId="3a814d93-6b2f-4c70-ab99-d343165ba388" providerId="ADAL" clId="{EFAD3D2D-4798-55E5-AD21-C2D7DECB7804}" dt="2025-09-08T01:55:25.383" v="450" actId="14100"/>
-          <ac:graphicFrameMkLst>
-            <pc:docMk/>
-            <pc:sldMk cId="1005967466" sldId="261"/>
-            <ac:graphicFrameMk id="3" creationId="{9F826F72-C604-5E42-62B7-D5C97F061097}"/>
-          </ac:graphicFrameMkLst>
-        </pc:graphicFrameChg>
-        <pc:graphicFrameChg chg="add mod">
-          <ac:chgData name="MARCO JEHTRO BARRERA TILLERIA" userId="3a814d93-6b2f-4c70-ab99-d343165ba388" providerId="ADAL" clId="{EFAD3D2D-4798-55E5-AD21-C2D7DECB7804}" dt="2025-09-08T01:57:57.600" v="520" actId="12084"/>
-          <ac:graphicFrameMkLst>
-            <pc:docMk/>
-            <pc:sldMk cId="1005967466" sldId="261"/>
-            <ac:graphicFrameMk id="5" creationId="{F02B9918-85EE-8E33-EBFD-5359A06D6743}"/>
-          </ac:graphicFrameMkLst>
-        </pc:graphicFrameChg>
-        <pc:graphicFrameChg chg="add mod">
-          <ac:chgData name="MARCO JEHTRO BARRERA TILLERIA" userId="3a814d93-6b2f-4c70-ab99-d343165ba388" providerId="ADAL" clId="{EFAD3D2D-4798-55E5-AD21-C2D7DECB7804}" dt="2025-09-08T01:58:11.019" v="522" actId="12084"/>
-          <ac:graphicFrameMkLst>
-            <pc:docMk/>
-            <pc:sldMk cId="1005967466" sldId="261"/>
-            <ac:graphicFrameMk id="7" creationId="{48DD8CE9-033E-CE91-8EA8-2F16F3E87E2C}"/>
-          </ac:graphicFrameMkLst>
-        </pc:graphicFrameChg>
         <pc:graphicFrameChg chg="add mod">
           <ac:chgData name="MARCO JEHTRO BARRERA TILLERIA" userId="3a814d93-6b2f-4c70-ab99-d343165ba388" providerId="ADAL" clId="{EFAD3D2D-4798-55E5-AD21-C2D7DECB7804}" dt="2025-09-08T02:11:53.812" v="980" actId="1076"/>
           <ac:graphicFrameMkLst>
@@ -696,7 +440,7 @@
         </pc:graphicFrameChg>
       </pc:sldChg>
       <pc:sldChg chg="addSp delSp modSp add mod modTransition">
-        <pc:chgData name="MARCO JEHTRO BARRERA TILLERIA" userId="3a814d93-6b2f-4c70-ab99-d343165ba388" providerId="ADAL" clId="{EFAD3D2D-4798-55E5-AD21-C2D7DECB7804}" dt="2025-09-08T02:46:42.832" v="1970" actId="14100"/>
+        <pc:chgData name="MARCO JEHTRO BARRERA TILLERIA" userId="3a814d93-6b2f-4c70-ab99-d343165ba388" providerId="ADAL" clId="{EFAD3D2D-4798-55E5-AD21-C2D7DECB7804}" dt="2025-09-21T17:20:26.668" v="1990" actId="20577"/>
         <pc:sldMkLst>
           <pc:docMk/>
           <pc:sldMk cId="3890040314" sldId="263"/>
@@ -707,14 +451,6 @@
             <pc:docMk/>
             <pc:sldMk cId="3890040314" sldId="263"/>
             <ac:spMk id="2" creationId="{BFD2EE2C-5E53-D942-19DA-26ED7E418B59}"/>
-          </ac:spMkLst>
-        </pc:spChg>
-        <pc:spChg chg="del">
-          <ac:chgData name="MARCO JEHTRO BARRERA TILLERIA" userId="3a814d93-6b2f-4c70-ab99-d343165ba388" providerId="ADAL" clId="{EFAD3D2D-4798-55E5-AD21-C2D7DECB7804}" dt="2025-09-08T02:15:41.828" v="1016" actId="478"/>
-          <ac:spMkLst>
-            <pc:docMk/>
-            <pc:sldMk cId="3890040314" sldId="263"/>
-            <ac:spMk id="6" creationId="{7E89C27E-F90A-693B-1037-08F6DE66C1DB}"/>
           </ac:spMkLst>
         </pc:spChg>
         <pc:spChg chg="add mod">
@@ -734,22 +470,6 @@
           </ac:spMkLst>
         </pc:spChg>
         <pc:graphicFrameChg chg="add mod">
-          <ac:chgData name="MARCO JEHTRO BARRERA TILLERIA" userId="3a814d93-6b2f-4c70-ab99-d343165ba388" providerId="ADAL" clId="{EFAD3D2D-4798-55E5-AD21-C2D7DECB7804}" dt="2025-09-08T02:15:38.227" v="1015"/>
-          <ac:graphicFrameMkLst>
-            <pc:docMk/>
-            <pc:sldMk cId="3890040314" sldId="263"/>
-            <ac:graphicFrameMk id="3" creationId="{F3A9C785-1378-CF7F-0619-C7C843D77597}"/>
-          </ac:graphicFrameMkLst>
-        </pc:graphicFrameChg>
-        <pc:graphicFrameChg chg="add mod">
-          <ac:chgData name="MARCO JEHTRO BARRERA TILLERIA" userId="3a814d93-6b2f-4c70-ab99-d343165ba388" providerId="ADAL" clId="{EFAD3D2D-4798-55E5-AD21-C2D7DECB7804}" dt="2025-09-08T02:15:38.227" v="1015"/>
-          <ac:graphicFrameMkLst>
-            <pc:docMk/>
-            <pc:sldMk cId="3890040314" sldId="263"/>
-            <ac:graphicFrameMk id="4" creationId="{A22DE21B-6165-BC19-0AC5-34F621409672}"/>
-          </ac:graphicFrameMkLst>
-        </pc:graphicFrameChg>
-        <pc:graphicFrameChg chg="add mod">
           <ac:chgData name="MARCO JEHTRO BARRERA TILLERIA" userId="3a814d93-6b2f-4c70-ab99-d343165ba388" providerId="ADAL" clId="{EFAD3D2D-4798-55E5-AD21-C2D7DECB7804}" dt="2025-09-08T02:46:42.832" v="1970" actId="14100"/>
           <ac:graphicFrameMkLst>
             <pc:docMk/>
@@ -758,19 +478,11 @@
           </ac:graphicFrameMkLst>
         </pc:graphicFrameChg>
         <pc:graphicFrameChg chg="add mod">
-          <ac:chgData name="MARCO JEHTRO BARRERA TILLERIA" userId="3a814d93-6b2f-4c70-ab99-d343165ba388" providerId="ADAL" clId="{EFAD3D2D-4798-55E5-AD21-C2D7DECB7804}" dt="2025-09-08T02:23:23.158" v="1565" actId="14100"/>
+          <ac:chgData name="MARCO JEHTRO BARRERA TILLERIA" userId="3a814d93-6b2f-4c70-ab99-d343165ba388" providerId="ADAL" clId="{EFAD3D2D-4798-55E5-AD21-C2D7DECB7804}" dt="2025-09-21T17:20:26.668" v="1990" actId="20577"/>
           <ac:graphicFrameMkLst>
             <pc:docMk/>
             <pc:sldMk cId="3890040314" sldId="263"/>
             <ac:graphicFrameMk id="7" creationId="{D32C11F3-E91E-A8FE-FCCD-2793A796F902}"/>
-          </ac:graphicFrameMkLst>
-        </pc:graphicFrameChg>
-        <pc:graphicFrameChg chg="del">
-          <ac:chgData name="MARCO JEHTRO BARRERA TILLERIA" userId="3a814d93-6b2f-4c70-ab99-d343165ba388" providerId="ADAL" clId="{EFAD3D2D-4798-55E5-AD21-C2D7DECB7804}" dt="2025-09-08T02:15:37.279" v="1014" actId="478"/>
-          <ac:graphicFrameMkLst>
-            <pc:docMk/>
-            <pc:sldMk cId="3890040314" sldId="263"/>
-            <ac:graphicFrameMk id="9" creationId="{5114D687-CAEC-378A-B5E2-E14DCEAC7284}"/>
           </ac:graphicFrameMkLst>
         </pc:graphicFrameChg>
       </pc:sldChg>
@@ -843,22 +555,6 @@
             <ac:spMk id="3" creationId="{33794FCC-B2AC-D302-B196-156D467D3143}"/>
           </ac:spMkLst>
         </pc:spChg>
-        <pc:spChg chg="add del mod">
-          <ac:chgData name="MARCO JEHTRO BARRERA TILLERIA" userId="3a814d93-6b2f-4c70-ab99-d343165ba388" providerId="ADAL" clId="{EFAD3D2D-4798-55E5-AD21-C2D7DECB7804}" dt="2025-09-08T02:36:56.263" v="1873" actId="12084"/>
-          <ac:spMkLst>
-            <pc:docMk/>
-            <pc:sldMk cId="3599206263" sldId="265"/>
-            <ac:spMk id="5" creationId="{61AB2151-F534-7858-7395-09CC1FFD9D93}"/>
-          </ac:spMkLst>
-        </pc:spChg>
-        <pc:spChg chg="del">
-          <ac:chgData name="MARCO JEHTRO BARRERA TILLERIA" userId="3a814d93-6b2f-4c70-ab99-d343165ba388" providerId="ADAL" clId="{EFAD3D2D-4798-55E5-AD21-C2D7DECB7804}" dt="2025-09-08T02:30:49.169" v="1632" actId="478"/>
-          <ac:spMkLst>
-            <pc:docMk/>
-            <pc:sldMk cId="3599206263" sldId="265"/>
-            <ac:spMk id="6" creationId="{FCE34011-5118-FF29-6951-E4455F2F9A23}"/>
-          </ac:spMkLst>
-        </pc:spChg>
         <pc:spChg chg="add mod">
           <ac:chgData name="MARCO JEHTRO BARRERA TILLERIA" userId="3a814d93-6b2f-4c70-ab99-d343165ba388" providerId="ADAL" clId="{EFAD3D2D-4798-55E5-AD21-C2D7DECB7804}" dt="2025-09-08T02:41:25.150" v="1950"/>
           <ac:spMkLst>
@@ -881,14 +577,6 @@
             <pc:docMk/>
             <pc:sldMk cId="3599206263" sldId="265"/>
             <ac:graphicFrameMk id="7" creationId="{35930F26-BD36-B5ED-E6F5-D338CBE7ABB9}"/>
-          </ac:graphicFrameMkLst>
-        </pc:graphicFrameChg>
-        <pc:graphicFrameChg chg="del">
-          <ac:chgData name="MARCO JEHTRO BARRERA TILLERIA" userId="3a814d93-6b2f-4c70-ab99-d343165ba388" providerId="ADAL" clId="{EFAD3D2D-4798-55E5-AD21-C2D7DECB7804}" dt="2025-09-08T02:30:46.995" v="1631" actId="478"/>
-          <ac:graphicFrameMkLst>
-            <pc:docMk/>
-            <pc:sldMk cId="3599206263" sldId="265"/>
-            <ac:graphicFrameMk id="9" creationId="{79CC9814-6743-0096-9B78-44C02D26E5C8}"/>
           </ac:graphicFrameMkLst>
         </pc:graphicFrameChg>
       </pc:sldChg>
@@ -10398,11 +10086,11 @@
           </a:r>
           <a:r>
             <a:rPr lang="es-CL" sz="1800" b="1" i="0" dirty="0"/>
-            <a:t>metodología Kanban </a:t>
+            <a:t>metodología Kanban</a:t>
           </a:r>
           <a:r>
             <a:rPr lang="es-CL" sz="1800" b="0" i="0" dirty="0"/>
-            <a:t>complementada con elementos de </a:t>
+            <a:t> complementada con elementos de </a:t>
           </a:r>
           <a:r>
             <a:rPr lang="es-CL" sz="1800" b="1" i="0" dirty="0"/>
@@ -14366,11 +14054,11 @@
           </a:r>
           <a:r>
             <a:rPr lang="es-CL" sz="1800" b="1" i="0" kern="1200" dirty="0"/>
-            <a:t>metodología Kanban </a:t>
+            <a:t>metodología Kanban</a:t>
           </a:r>
           <a:r>
             <a:rPr lang="es-CL" sz="1800" b="0" i="0" kern="1200" dirty="0"/>
-            <a:t>complementada con elementos de </a:t>
+            <a:t> complementada con elementos de </a:t>
           </a:r>
           <a:r>
             <a:rPr lang="es-CL" sz="1800" b="1" i="0" kern="1200" dirty="0"/>
@@ -35021,7 +34709,7 @@
           <a:p>
             <a:fld id="{B0824158-9D1D-7641-80B8-E4B8132BB0C4}" type="datetimeFigureOut">
               <a:rPr lang="es-CL" smtClean="0"/>
-              <a:t>08-09-25</a:t>
+              <a:t>21-09-25</a:t>
             </a:fld>
             <a:endParaRPr lang="es-CL"/>
           </a:p>
@@ -36198,7 +35886,7 @@
           <a:p>
             <a:fld id="{394F3949-D4A9-6E45-BF35-AED5996D8FB0}" type="datetime1">
               <a:rPr lang="es-CL" smtClean="0"/>
-              <a:t>08-09-25</a:t>
+              <a:t>21-09-25</a:t>
             </a:fld>
             <a:endParaRPr lang="es-CL"/>
           </a:p>
@@ -36398,7 +36086,7 @@
           <a:p>
             <a:fld id="{24880860-590A-4F4B-8ABA-94A6A9F63769}" type="datetime1">
               <a:rPr lang="es-CL" smtClean="0"/>
-              <a:t>08-09-25</a:t>
+              <a:t>21-09-25</a:t>
             </a:fld>
             <a:endParaRPr lang="es-CL"/>
           </a:p>
@@ -36608,7 +36296,7 @@
           <a:p>
             <a:fld id="{15906C46-F7AF-504F-AF8D-7EE16BB5BC22}" type="datetime1">
               <a:rPr lang="es-CL" smtClean="0"/>
-              <a:t>08-09-25</a:t>
+              <a:t>21-09-25</a:t>
             </a:fld>
             <a:endParaRPr lang="es-CL"/>
           </a:p>
@@ -36808,7 +36496,7 @@
           <a:p>
             <a:fld id="{8D5D09CC-507D-7A41-8A14-6CD57D945BD2}" type="datetime1">
               <a:rPr lang="es-CL" smtClean="0"/>
-              <a:t>08-09-25</a:t>
+              <a:t>21-09-25</a:t>
             </a:fld>
             <a:endParaRPr lang="es-CL"/>
           </a:p>
@@ -37084,7 +36772,7 @@
           <a:p>
             <a:fld id="{908BD350-A1BD-C34C-9B98-F90CE6AE9F72}" type="datetime1">
               <a:rPr lang="es-CL" smtClean="0"/>
-              <a:t>08-09-25</a:t>
+              <a:t>21-09-25</a:t>
             </a:fld>
             <a:endParaRPr lang="es-CL"/>
           </a:p>
@@ -37352,7 +37040,7 @@
           <a:p>
             <a:fld id="{1B7EFD53-2495-4E4E-938B-6717DEA30615}" type="datetime1">
               <a:rPr lang="es-CL" smtClean="0"/>
-              <a:t>08-09-25</a:t>
+              <a:t>21-09-25</a:t>
             </a:fld>
             <a:endParaRPr lang="es-CL"/>
           </a:p>
@@ -37767,7 +37455,7 @@
           <a:p>
             <a:fld id="{771C015F-75FB-864B-A097-2E4462E9626E}" type="datetime1">
               <a:rPr lang="es-CL" smtClean="0"/>
-              <a:t>08-09-25</a:t>
+              <a:t>21-09-25</a:t>
             </a:fld>
             <a:endParaRPr lang="es-CL"/>
           </a:p>
@@ -37909,7 +37597,7 @@
           <a:p>
             <a:fld id="{549C0F01-7527-1B4C-823C-93FA7B8F93EA}" type="datetime1">
               <a:rPr lang="es-CL" smtClean="0"/>
-              <a:t>08-09-25</a:t>
+              <a:t>21-09-25</a:t>
             </a:fld>
             <a:endParaRPr lang="es-CL"/>
           </a:p>
@@ -38022,7 +37710,7 @@
           <a:p>
             <a:fld id="{8A6CADF9-C959-244A-A72F-4E4B6E4ADF25}" type="datetime1">
               <a:rPr lang="es-CL" smtClean="0"/>
-              <a:t>08-09-25</a:t>
+              <a:t>21-09-25</a:t>
             </a:fld>
             <a:endParaRPr lang="es-CL"/>
           </a:p>
@@ -38335,7 +38023,7 @@
           <a:p>
             <a:fld id="{630A2618-1F5F-2C47-A72F-78011041DEFE}" type="datetime1">
               <a:rPr lang="es-CL" smtClean="0"/>
-              <a:t>08-09-25</a:t>
+              <a:t>21-09-25</a:t>
             </a:fld>
             <a:endParaRPr lang="es-CL"/>
           </a:p>
@@ -38624,7 +38312,7 @@
           <a:p>
             <a:fld id="{4B3FFBB7-500A-5B48-A19A-244B4DB27341}" type="datetime1">
               <a:rPr lang="es-CL" smtClean="0"/>
-              <a:t>08-09-25</a:t>
+              <a:t>21-09-25</a:t>
             </a:fld>
             <a:endParaRPr lang="es-CL"/>
           </a:p>
@@ -38867,7 +38555,7 @@
           <a:p>
             <a:fld id="{A875CCA3-ECD3-2243-A933-47C22F5D5A8C}" type="datetime1">
               <a:rPr lang="es-CL" smtClean="0"/>
-              <a:t>08-09-25</a:t>
+              <a:t>21-09-25</a:t>
             </a:fld>
             <a:endParaRPr lang="es-CL"/>
           </a:p>
@@ -41279,7 +40967,7 @@
           <p:nvPr>
             <p:extLst>
               <p:ext uri="{D42A27DB-BD31-4B8C-83A1-F6EECF244321}">
-                <p14:modId xmlns:p14="http://schemas.microsoft.com/office/powerpoint/2010/main" val="2010945925"/>
+                <p14:modId xmlns:p14="http://schemas.microsoft.com/office/powerpoint/2010/main" val="3136863923"/>
               </p:ext>
             </p:extLst>
           </p:nvPr>
